--- a/www/common/onlyoffice/v2b/sdkjs/slide/themes/src/06_lines.pptx
+++ b/www/common/onlyoffice/v2b/sdkjs/slide/themes/src/06_lines.pptx
@@ -140,17 +140,17 @@
       </p:grpSpPr>
       <p:sp>
         <p:nvSpPr>
-          <p:cNvPr id="6" name="Slide Number Placeholder 5"/>
-          <p:cNvSpPr>
-            <a:spLocks noGrp="1"/>
-          </p:cNvSpPr>
-          <p:nvPr>
-            <p:ph type="sldNum" sz="quarter" idx="12"/>
-          </p:nvPr>
-        </p:nvSpPr>
-        <p:spPr>
-          <a:xfrm>
-            <a:off x="3563888" y="4623978"/>
+          <p:cNvPr id="8" name="Дата 4"/>
+          <p:cNvSpPr>
+            <a:spLocks noGrp="1"/>
+          </p:cNvSpPr>
+          <p:nvPr>
+            <p:ph type="dt" sz="half" idx="10"/>
+          </p:nvPr>
+        </p:nvSpPr>
+        <p:spPr>
+          <a:xfrm>
+            <a:off x="433536" y="4623978"/>
             <a:ext cx="2133600" cy="273844"/>
           </a:xfrm>
           <a:prstGeom prst="rect">
@@ -160,23 +160,96 @@
         <p:txBody>
           <a:bodyPr/>
           <a:lstStyle>
-            <a:lvl1pPr algn="ctr">
-              <a:defRPr sz="2000">
-                <a:solidFill>
-                  <a:schemeClr val="bg2">
-                    <a:lumMod val="75000"/>
-                  </a:schemeClr>
-                </a:solidFill>
-              </a:defRPr>
-            </a:lvl1pPr>
-          </a:lstStyle>
-          <a:p>
-            <a:fld id="{FE1151AD-734B-4F06-895C-6598ABAFD91A}" type="slidenum">
+            <a:lvl1pPr>
+              <a:defRPr>
+                <a:solidFill>
+                  <a:srgbClr val="603636"/>
+                </a:solidFill>
+              </a:defRPr>
+            </a:lvl1pPr>
+          </a:lstStyle>
+          <a:p>
+            <a:fld id="{51E84241-D031-42DE-84E4-CC10C30232F4}" type="datetimeFigureOut">
+              <a:rPr lang="ru-RU" smtClean="0"/>
+              <a:pPr/>
+              <a:t>22.10.2013</a:t>
+            </a:fld>
+            <a:endParaRPr lang="ru-RU" dirty="0"/>
+          </a:p>
+        </p:txBody>
+      </p:sp>
+      <p:sp>
+        <p:nvSpPr>
+          <p:cNvPr id="9" name="Нижний колонтитул 5"/>
+          <p:cNvSpPr>
+            <a:spLocks noGrp="1"/>
+          </p:cNvSpPr>
+          <p:nvPr>
+            <p:ph type="ftr" sz="quarter" idx="11"/>
+          </p:nvPr>
+        </p:nvSpPr>
+        <p:spPr>
+          <a:xfrm>
+            <a:off x="3100536" y="4623978"/>
+            <a:ext cx="2895600" cy="273844"/>
+          </a:xfrm>
+          <a:prstGeom prst="rect">
+            <a:avLst/>
+          </a:prstGeom>
+        </p:spPr>
+        <p:txBody>
+          <a:bodyPr/>
+          <a:lstStyle>
+            <a:lvl1pPr>
+              <a:defRPr>
+                <a:solidFill>
+                  <a:srgbClr val="603636"/>
+                </a:solidFill>
+              </a:defRPr>
+            </a:lvl1pPr>
+          </a:lstStyle>
+          <a:p>
+            <a:endParaRPr lang="ru-RU"/>
+          </a:p>
+        </p:txBody>
+      </p:sp>
+      <p:sp>
+        <p:nvSpPr>
+          <p:cNvPr id="10" name="Номер слайда 6"/>
+          <p:cNvSpPr>
+            <a:spLocks noGrp="1"/>
+          </p:cNvSpPr>
+          <p:nvPr>
+            <p:ph type="sldNum" sz="quarter" idx="12"/>
+          </p:nvPr>
+        </p:nvSpPr>
+        <p:spPr>
+          <a:xfrm>
+            <a:off x="6529536" y="4623978"/>
+            <a:ext cx="2133600" cy="273844"/>
+          </a:xfrm>
+          <a:prstGeom prst="rect">
+            <a:avLst/>
+          </a:prstGeom>
+        </p:spPr>
+        <p:txBody>
+          <a:bodyPr/>
+          <a:lstStyle>
+            <a:lvl1pPr>
+              <a:defRPr>
+                <a:solidFill>
+                  <a:srgbClr val="603636"/>
+                </a:solidFill>
+              </a:defRPr>
+            </a:lvl1pPr>
+          </a:lstStyle>
+          <a:p>
+            <a:fld id="{6B5AA3AA-5EA9-4976-BF6C-9891F6110747}" type="slidenum">
               <a:rPr lang="ru-RU" smtClean="0"/>
               <a:pPr/>
               <a:t>‹#›</a:t>
             </a:fld>
-            <a:endParaRPr lang="ru-RU" dirty="0"/>
+            <a:endParaRPr lang="ru-RU"/>
           </a:p>
         </p:txBody>
       </p:sp>
@@ -440,17 +513,17 @@
       </p:sp>
       <p:sp>
         <p:nvSpPr>
-          <p:cNvPr id="6" name="Slide Number Placeholder 5"/>
-          <p:cNvSpPr>
-            <a:spLocks noGrp="1"/>
-          </p:cNvSpPr>
-          <p:nvPr>
-            <p:ph type="sldNum" sz="quarter" idx="12"/>
-          </p:nvPr>
-        </p:nvSpPr>
-        <p:spPr>
-          <a:xfrm>
-            <a:off x="3419872" y="4677984"/>
+          <p:cNvPr id="8" name="Дата 4"/>
+          <p:cNvSpPr>
+            <a:spLocks noGrp="1"/>
+          </p:cNvSpPr>
+          <p:nvPr>
+            <p:ph type="dt" sz="half" idx="10"/>
+          </p:nvPr>
+        </p:nvSpPr>
+        <p:spPr>
+          <a:xfrm>
+            <a:off x="433536" y="4623978"/>
             <a:ext cx="2133600" cy="273844"/>
           </a:xfrm>
           <a:prstGeom prst="rect">
@@ -459,10 +532,94 @@
         </p:spPr>
         <p:txBody>
           <a:bodyPr/>
-          <a:lstStyle/>
-          <a:p>
-            <a:fld id="{FE1151AD-734B-4F06-895C-6598ABAFD91A}" type="slidenum">
-              <a:rPr lang="ru-RU" smtClean="0"/>
+          <a:lstStyle>
+            <a:lvl1pPr>
+              <a:defRPr>
+                <a:solidFill>
+                  <a:srgbClr val="603636"/>
+                </a:solidFill>
+              </a:defRPr>
+            </a:lvl1pPr>
+          </a:lstStyle>
+          <a:p>
+            <a:fld id="{51E84241-D031-42DE-84E4-CC10C30232F4}" type="datetimeFigureOut">
+              <a:rPr lang="ru-RU" smtClean="0"/>
+              <a:pPr/>
+              <a:t>22.10.2013</a:t>
+            </a:fld>
+            <a:endParaRPr lang="ru-RU" dirty="0"/>
+          </a:p>
+        </p:txBody>
+      </p:sp>
+      <p:sp>
+        <p:nvSpPr>
+          <p:cNvPr id="9" name="Нижний колонтитул 5"/>
+          <p:cNvSpPr>
+            <a:spLocks noGrp="1"/>
+          </p:cNvSpPr>
+          <p:nvPr>
+            <p:ph type="ftr" sz="quarter" idx="11"/>
+          </p:nvPr>
+        </p:nvSpPr>
+        <p:spPr>
+          <a:xfrm>
+            <a:off x="3100536" y="4623978"/>
+            <a:ext cx="2895600" cy="273844"/>
+          </a:xfrm>
+          <a:prstGeom prst="rect">
+            <a:avLst/>
+          </a:prstGeom>
+        </p:spPr>
+        <p:txBody>
+          <a:bodyPr/>
+          <a:lstStyle>
+            <a:lvl1pPr>
+              <a:defRPr>
+                <a:solidFill>
+                  <a:srgbClr val="603636"/>
+                </a:solidFill>
+              </a:defRPr>
+            </a:lvl1pPr>
+          </a:lstStyle>
+          <a:p>
+            <a:endParaRPr lang="ru-RU"/>
+          </a:p>
+        </p:txBody>
+      </p:sp>
+      <p:sp>
+        <p:nvSpPr>
+          <p:cNvPr id="10" name="Номер слайда 6"/>
+          <p:cNvSpPr>
+            <a:spLocks noGrp="1"/>
+          </p:cNvSpPr>
+          <p:nvPr>
+            <p:ph type="sldNum" sz="quarter" idx="12"/>
+          </p:nvPr>
+        </p:nvSpPr>
+        <p:spPr>
+          <a:xfrm>
+            <a:off x="6529536" y="4623978"/>
+            <a:ext cx="2133600" cy="273844"/>
+          </a:xfrm>
+          <a:prstGeom prst="rect">
+            <a:avLst/>
+          </a:prstGeom>
+        </p:spPr>
+        <p:txBody>
+          <a:bodyPr/>
+          <a:lstStyle>
+            <a:lvl1pPr>
+              <a:defRPr>
+                <a:solidFill>
+                  <a:srgbClr val="603636"/>
+                </a:solidFill>
+              </a:defRPr>
+            </a:lvl1pPr>
+          </a:lstStyle>
+          <a:p>
+            <a:fld id="{6B5AA3AA-5EA9-4976-BF6C-9891F6110747}" type="slidenum">
+              <a:rPr lang="ru-RU" smtClean="0"/>
+              <a:pPr/>
               <a:t>‹#›</a:t>
             </a:fld>
             <a:endParaRPr lang="ru-RU"/>
@@ -689,17 +846,17 @@
       </p:sp>
       <p:sp>
         <p:nvSpPr>
-          <p:cNvPr id="14" name="Slide Number Placeholder 5"/>
-          <p:cNvSpPr>
-            <a:spLocks noGrp="1"/>
-          </p:cNvSpPr>
-          <p:nvPr>
-            <p:ph type="sldNum" sz="quarter" idx="12"/>
-          </p:nvPr>
-        </p:nvSpPr>
-        <p:spPr>
-          <a:xfrm>
-            <a:off x="3419872" y="4677984"/>
+          <p:cNvPr id="8" name="Дата 4"/>
+          <p:cNvSpPr>
+            <a:spLocks noGrp="1"/>
+          </p:cNvSpPr>
+          <p:nvPr>
+            <p:ph type="dt" sz="half" idx="10"/>
+          </p:nvPr>
+        </p:nvSpPr>
+        <p:spPr>
+          <a:xfrm>
+            <a:off x="433536" y="4623978"/>
             <a:ext cx="2133600" cy="273844"/>
           </a:xfrm>
           <a:prstGeom prst="rect">
@@ -708,10 +865,94 @@
         </p:spPr>
         <p:txBody>
           <a:bodyPr/>
-          <a:lstStyle/>
-          <a:p>
-            <a:fld id="{FE1151AD-734B-4F06-895C-6598ABAFD91A}" type="slidenum">
-              <a:rPr lang="ru-RU" smtClean="0"/>
+          <a:lstStyle>
+            <a:lvl1pPr>
+              <a:defRPr>
+                <a:solidFill>
+                  <a:srgbClr val="603636"/>
+                </a:solidFill>
+              </a:defRPr>
+            </a:lvl1pPr>
+          </a:lstStyle>
+          <a:p>
+            <a:fld id="{51E84241-D031-42DE-84E4-CC10C30232F4}" type="datetimeFigureOut">
+              <a:rPr lang="ru-RU" smtClean="0"/>
+              <a:pPr/>
+              <a:t>22.10.2013</a:t>
+            </a:fld>
+            <a:endParaRPr lang="ru-RU" dirty="0"/>
+          </a:p>
+        </p:txBody>
+      </p:sp>
+      <p:sp>
+        <p:nvSpPr>
+          <p:cNvPr id="9" name="Нижний колонтитул 5"/>
+          <p:cNvSpPr>
+            <a:spLocks noGrp="1"/>
+          </p:cNvSpPr>
+          <p:nvPr>
+            <p:ph type="ftr" sz="quarter" idx="11"/>
+          </p:nvPr>
+        </p:nvSpPr>
+        <p:spPr>
+          <a:xfrm>
+            <a:off x="3100536" y="4623978"/>
+            <a:ext cx="2895600" cy="273844"/>
+          </a:xfrm>
+          <a:prstGeom prst="rect">
+            <a:avLst/>
+          </a:prstGeom>
+        </p:spPr>
+        <p:txBody>
+          <a:bodyPr/>
+          <a:lstStyle>
+            <a:lvl1pPr>
+              <a:defRPr>
+                <a:solidFill>
+                  <a:srgbClr val="603636"/>
+                </a:solidFill>
+              </a:defRPr>
+            </a:lvl1pPr>
+          </a:lstStyle>
+          <a:p>
+            <a:endParaRPr lang="ru-RU"/>
+          </a:p>
+        </p:txBody>
+      </p:sp>
+      <p:sp>
+        <p:nvSpPr>
+          <p:cNvPr id="10" name="Номер слайда 6"/>
+          <p:cNvSpPr>
+            <a:spLocks noGrp="1"/>
+          </p:cNvSpPr>
+          <p:nvPr>
+            <p:ph type="sldNum" sz="quarter" idx="12"/>
+          </p:nvPr>
+        </p:nvSpPr>
+        <p:spPr>
+          <a:xfrm>
+            <a:off x="6529536" y="4623978"/>
+            <a:ext cx="2133600" cy="273844"/>
+          </a:xfrm>
+          <a:prstGeom prst="rect">
+            <a:avLst/>
+          </a:prstGeom>
+        </p:spPr>
+        <p:txBody>
+          <a:bodyPr/>
+          <a:lstStyle>
+            <a:lvl1pPr>
+              <a:defRPr>
+                <a:solidFill>
+                  <a:srgbClr val="603636"/>
+                </a:solidFill>
+              </a:defRPr>
+            </a:lvl1pPr>
+          </a:lstStyle>
+          <a:p>
+            <a:fld id="{6B5AA3AA-5EA9-4976-BF6C-9891F6110747}" type="slidenum">
+              <a:rPr lang="ru-RU" smtClean="0"/>
+              <a:pPr/>
               <a:t>‹#›</a:t>
             </a:fld>
             <a:endParaRPr lang="ru-RU"/>
@@ -797,17 +1038,17 @@
       </p:sp>
       <p:sp>
         <p:nvSpPr>
-          <p:cNvPr id="17" name="Slide Number Placeholder 5"/>
-          <p:cNvSpPr>
-            <a:spLocks noGrp="1"/>
-          </p:cNvSpPr>
-          <p:nvPr>
-            <p:ph type="sldNum" sz="quarter" idx="12"/>
-          </p:nvPr>
-        </p:nvSpPr>
-        <p:spPr>
-          <a:xfrm>
-            <a:off x="3419872" y="4677984"/>
+          <p:cNvPr id="8" name="Дата 4"/>
+          <p:cNvSpPr>
+            <a:spLocks noGrp="1"/>
+          </p:cNvSpPr>
+          <p:nvPr>
+            <p:ph type="dt" sz="half" idx="10"/>
+          </p:nvPr>
+        </p:nvSpPr>
+        <p:spPr>
+          <a:xfrm>
+            <a:off x="433536" y="4623978"/>
             <a:ext cx="2133600" cy="273844"/>
           </a:xfrm>
           <a:prstGeom prst="rect">
@@ -816,10 +1057,94 @@
         </p:spPr>
         <p:txBody>
           <a:bodyPr/>
-          <a:lstStyle/>
-          <a:p>
-            <a:fld id="{FE1151AD-734B-4F06-895C-6598ABAFD91A}" type="slidenum">
-              <a:rPr lang="ru-RU" smtClean="0"/>
+          <a:lstStyle>
+            <a:lvl1pPr>
+              <a:defRPr>
+                <a:solidFill>
+                  <a:srgbClr val="603636"/>
+                </a:solidFill>
+              </a:defRPr>
+            </a:lvl1pPr>
+          </a:lstStyle>
+          <a:p>
+            <a:fld id="{51E84241-D031-42DE-84E4-CC10C30232F4}" type="datetimeFigureOut">
+              <a:rPr lang="ru-RU" smtClean="0"/>
+              <a:pPr/>
+              <a:t>22.10.2013</a:t>
+            </a:fld>
+            <a:endParaRPr lang="ru-RU" dirty="0"/>
+          </a:p>
+        </p:txBody>
+      </p:sp>
+      <p:sp>
+        <p:nvSpPr>
+          <p:cNvPr id="9" name="Нижний колонтитул 5"/>
+          <p:cNvSpPr>
+            <a:spLocks noGrp="1"/>
+          </p:cNvSpPr>
+          <p:nvPr>
+            <p:ph type="ftr" sz="quarter" idx="11"/>
+          </p:nvPr>
+        </p:nvSpPr>
+        <p:spPr>
+          <a:xfrm>
+            <a:off x="3100536" y="4623978"/>
+            <a:ext cx="2895600" cy="273844"/>
+          </a:xfrm>
+          <a:prstGeom prst="rect">
+            <a:avLst/>
+          </a:prstGeom>
+        </p:spPr>
+        <p:txBody>
+          <a:bodyPr/>
+          <a:lstStyle>
+            <a:lvl1pPr>
+              <a:defRPr>
+                <a:solidFill>
+                  <a:srgbClr val="603636"/>
+                </a:solidFill>
+              </a:defRPr>
+            </a:lvl1pPr>
+          </a:lstStyle>
+          <a:p>
+            <a:endParaRPr lang="ru-RU"/>
+          </a:p>
+        </p:txBody>
+      </p:sp>
+      <p:sp>
+        <p:nvSpPr>
+          <p:cNvPr id="10" name="Номер слайда 6"/>
+          <p:cNvSpPr>
+            <a:spLocks noGrp="1"/>
+          </p:cNvSpPr>
+          <p:nvPr>
+            <p:ph type="sldNum" sz="quarter" idx="12"/>
+          </p:nvPr>
+        </p:nvSpPr>
+        <p:spPr>
+          <a:xfrm>
+            <a:off x="6529536" y="4623978"/>
+            <a:ext cx="2133600" cy="273844"/>
+          </a:xfrm>
+          <a:prstGeom prst="rect">
+            <a:avLst/>
+          </a:prstGeom>
+        </p:spPr>
+        <p:txBody>
+          <a:bodyPr/>
+          <a:lstStyle>
+            <a:lvl1pPr>
+              <a:defRPr>
+                <a:solidFill>
+                  <a:srgbClr val="603636"/>
+                </a:solidFill>
+              </a:defRPr>
+            </a:lvl1pPr>
+          </a:lstStyle>
+          <a:p>
+            <a:fld id="{6B5AA3AA-5EA9-4976-BF6C-9891F6110747}" type="slidenum">
+              <a:rPr lang="ru-RU" smtClean="0"/>
+              <a:pPr/>
               <a:t>‹#›</a:t>
             </a:fld>
             <a:endParaRPr lang="ru-RU"/>
@@ -1307,17 +1632,17 @@
       </p:sp>
       <p:sp>
         <p:nvSpPr>
-          <p:cNvPr id="15" name="Slide Number Placeholder 5"/>
-          <p:cNvSpPr>
-            <a:spLocks noGrp="1"/>
-          </p:cNvSpPr>
-          <p:nvPr>
-            <p:ph type="sldNum" sz="quarter" idx="12"/>
-          </p:nvPr>
-        </p:nvSpPr>
-        <p:spPr>
-          <a:xfrm>
-            <a:off x="3419872" y="4677984"/>
+          <p:cNvPr id="8" name="Дата 4"/>
+          <p:cNvSpPr>
+            <a:spLocks noGrp="1"/>
+          </p:cNvSpPr>
+          <p:nvPr>
+            <p:ph type="dt" sz="half" idx="10"/>
+          </p:nvPr>
+        </p:nvSpPr>
+        <p:spPr>
+          <a:xfrm>
+            <a:off x="433536" y="4623978"/>
             <a:ext cx="2133600" cy="273844"/>
           </a:xfrm>
           <a:prstGeom prst="rect">
@@ -1326,10 +1651,94 @@
         </p:spPr>
         <p:txBody>
           <a:bodyPr/>
-          <a:lstStyle/>
-          <a:p>
-            <a:fld id="{FE1151AD-734B-4F06-895C-6598ABAFD91A}" type="slidenum">
-              <a:rPr lang="ru-RU" smtClean="0"/>
+          <a:lstStyle>
+            <a:lvl1pPr>
+              <a:defRPr>
+                <a:solidFill>
+                  <a:srgbClr val="603636"/>
+                </a:solidFill>
+              </a:defRPr>
+            </a:lvl1pPr>
+          </a:lstStyle>
+          <a:p>
+            <a:fld id="{51E84241-D031-42DE-84E4-CC10C30232F4}" type="datetimeFigureOut">
+              <a:rPr lang="ru-RU" smtClean="0"/>
+              <a:pPr/>
+              <a:t>22.10.2013</a:t>
+            </a:fld>
+            <a:endParaRPr lang="ru-RU" dirty="0"/>
+          </a:p>
+        </p:txBody>
+      </p:sp>
+      <p:sp>
+        <p:nvSpPr>
+          <p:cNvPr id="9" name="Нижний колонтитул 5"/>
+          <p:cNvSpPr>
+            <a:spLocks noGrp="1"/>
+          </p:cNvSpPr>
+          <p:nvPr>
+            <p:ph type="ftr" sz="quarter" idx="11"/>
+          </p:nvPr>
+        </p:nvSpPr>
+        <p:spPr>
+          <a:xfrm>
+            <a:off x="3100536" y="4623978"/>
+            <a:ext cx="2895600" cy="273844"/>
+          </a:xfrm>
+          <a:prstGeom prst="rect">
+            <a:avLst/>
+          </a:prstGeom>
+        </p:spPr>
+        <p:txBody>
+          <a:bodyPr/>
+          <a:lstStyle>
+            <a:lvl1pPr>
+              <a:defRPr>
+                <a:solidFill>
+                  <a:srgbClr val="603636"/>
+                </a:solidFill>
+              </a:defRPr>
+            </a:lvl1pPr>
+          </a:lstStyle>
+          <a:p>
+            <a:endParaRPr lang="ru-RU"/>
+          </a:p>
+        </p:txBody>
+      </p:sp>
+      <p:sp>
+        <p:nvSpPr>
+          <p:cNvPr id="10" name="Номер слайда 6"/>
+          <p:cNvSpPr>
+            <a:spLocks noGrp="1"/>
+          </p:cNvSpPr>
+          <p:nvPr>
+            <p:ph type="sldNum" sz="quarter" idx="12"/>
+          </p:nvPr>
+        </p:nvSpPr>
+        <p:spPr>
+          <a:xfrm>
+            <a:off x="6529536" y="4623978"/>
+            <a:ext cx="2133600" cy="273844"/>
+          </a:xfrm>
+          <a:prstGeom prst="rect">
+            <a:avLst/>
+          </a:prstGeom>
+        </p:spPr>
+        <p:txBody>
+          <a:bodyPr/>
+          <a:lstStyle>
+            <a:lvl1pPr>
+              <a:defRPr>
+                <a:solidFill>
+                  <a:srgbClr val="603636"/>
+                </a:solidFill>
+              </a:defRPr>
+            </a:lvl1pPr>
+          </a:lstStyle>
+          <a:p>
+            <a:fld id="{6B5AA3AA-5EA9-4976-BF6C-9891F6110747}" type="slidenum">
+              <a:rPr lang="ru-RU" smtClean="0"/>
+              <a:pPr/>
               <a:t>‹#›</a:t>
             </a:fld>
             <a:endParaRPr lang="ru-RU"/>
@@ -1495,17 +1904,17 @@
       </p:sp>
       <p:sp>
         <p:nvSpPr>
-          <p:cNvPr id="11" name="Slide Number Placeholder 5"/>
-          <p:cNvSpPr>
-            <a:spLocks noGrp="1"/>
-          </p:cNvSpPr>
-          <p:nvPr>
-            <p:ph type="sldNum" sz="quarter" idx="12"/>
-          </p:nvPr>
-        </p:nvSpPr>
-        <p:spPr>
-          <a:xfrm>
-            <a:off x="3419872" y="4677984"/>
+          <p:cNvPr id="8" name="Дата 4"/>
+          <p:cNvSpPr>
+            <a:spLocks noGrp="1"/>
+          </p:cNvSpPr>
+          <p:nvPr>
+            <p:ph type="dt" sz="half" idx="10"/>
+          </p:nvPr>
+        </p:nvSpPr>
+        <p:spPr>
+          <a:xfrm>
+            <a:off x="433536" y="4623978"/>
             <a:ext cx="2133600" cy="273844"/>
           </a:xfrm>
           <a:prstGeom prst="rect">
@@ -1514,10 +1923,94 @@
         </p:spPr>
         <p:txBody>
           <a:bodyPr/>
-          <a:lstStyle/>
-          <a:p>
-            <a:fld id="{FE1151AD-734B-4F06-895C-6598ABAFD91A}" type="slidenum">
-              <a:rPr lang="ru-RU" smtClean="0"/>
+          <a:lstStyle>
+            <a:lvl1pPr>
+              <a:defRPr>
+                <a:solidFill>
+                  <a:srgbClr val="603636"/>
+                </a:solidFill>
+              </a:defRPr>
+            </a:lvl1pPr>
+          </a:lstStyle>
+          <a:p>
+            <a:fld id="{51E84241-D031-42DE-84E4-CC10C30232F4}" type="datetimeFigureOut">
+              <a:rPr lang="ru-RU" smtClean="0"/>
+              <a:pPr/>
+              <a:t>22.10.2013</a:t>
+            </a:fld>
+            <a:endParaRPr lang="ru-RU" dirty="0"/>
+          </a:p>
+        </p:txBody>
+      </p:sp>
+      <p:sp>
+        <p:nvSpPr>
+          <p:cNvPr id="9" name="Нижний колонтитул 5"/>
+          <p:cNvSpPr>
+            <a:spLocks noGrp="1"/>
+          </p:cNvSpPr>
+          <p:nvPr>
+            <p:ph type="ftr" sz="quarter" idx="11"/>
+          </p:nvPr>
+        </p:nvSpPr>
+        <p:spPr>
+          <a:xfrm>
+            <a:off x="3100536" y="4623978"/>
+            <a:ext cx="2895600" cy="273844"/>
+          </a:xfrm>
+          <a:prstGeom prst="rect">
+            <a:avLst/>
+          </a:prstGeom>
+        </p:spPr>
+        <p:txBody>
+          <a:bodyPr/>
+          <a:lstStyle>
+            <a:lvl1pPr>
+              <a:defRPr>
+                <a:solidFill>
+                  <a:srgbClr val="603636"/>
+                </a:solidFill>
+              </a:defRPr>
+            </a:lvl1pPr>
+          </a:lstStyle>
+          <a:p>
+            <a:endParaRPr lang="ru-RU"/>
+          </a:p>
+        </p:txBody>
+      </p:sp>
+      <p:sp>
+        <p:nvSpPr>
+          <p:cNvPr id="10" name="Номер слайда 6"/>
+          <p:cNvSpPr>
+            <a:spLocks noGrp="1"/>
+          </p:cNvSpPr>
+          <p:nvPr>
+            <p:ph type="sldNum" sz="quarter" idx="12"/>
+          </p:nvPr>
+        </p:nvSpPr>
+        <p:spPr>
+          <a:xfrm>
+            <a:off x="6529536" y="4623978"/>
+            <a:ext cx="2133600" cy="273844"/>
+          </a:xfrm>
+          <a:prstGeom prst="rect">
+            <a:avLst/>
+          </a:prstGeom>
+        </p:spPr>
+        <p:txBody>
+          <a:bodyPr/>
+          <a:lstStyle>
+            <a:lvl1pPr>
+              <a:defRPr>
+                <a:solidFill>
+                  <a:srgbClr val="603636"/>
+                </a:solidFill>
+              </a:defRPr>
+            </a:lvl1pPr>
+          </a:lstStyle>
+          <a:p>
+            <a:fld id="{6B5AA3AA-5EA9-4976-BF6C-9891F6110747}" type="slidenum">
+              <a:rPr lang="ru-RU" smtClean="0"/>
+              <a:pPr/>
               <a:t>‹#›</a:t>
             </a:fld>
             <a:endParaRPr lang="ru-RU"/>
@@ -1572,17 +2065,17 @@
       </p:grpSpPr>
       <p:sp>
         <p:nvSpPr>
-          <p:cNvPr id="5" name="Slide Number Placeholder 5"/>
-          <p:cNvSpPr>
-            <a:spLocks noGrp="1"/>
-          </p:cNvSpPr>
-          <p:nvPr>
-            <p:ph type="sldNum" sz="quarter" idx="12"/>
-          </p:nvPr>
-        </p:nvSpPr>
-        <p:spPr>
-          <a:xfrm>
-            <a:off x="3419872" y="4677984"/>
+          <p:cNvPr id="8" name="Дата 4"/>
+          <p:cNvSpPr>
+            <a:spLocks noGrp="1"/>
+          </p:cNvSpPr>
+          <p:nvPr>
+            <p:ph type="dt" sz="half" idx="10"/>
+          </p:nvPr>
+        </p:nvSpPr>
+        <p:spPr>
+          <a:xfrm>
+            <a:off x="433536" y="4623978"/>
             <a:ext cx="2133600" cy="273844"/>
           </a:xfrm>
           <a:prstGeom prst="rect">
@@ -1591,10 +2084,94 @@
         </p:spPr>
         <p:txBody>
           <a:bodyPr/>
-          <a:lstStyle/>
-          <a:p>
-            <a:fld id="{FE1151AD-734B-4F06-895C-6598ABAFD91A}" type="slidenum">
-              <a:rPr lang="ru-RU" smtClean="0"/>
+          <a:lstStyle>
+            <a:lvl1pPr>
+              <a:defRPr>
+                <a:solidFill>
+                  <a:srgbClr val="603636"/>
+                </a:solidFill>
+              </a:defRPr>
+            </a:lvl1pPr>
+          </a:lstStyle>
+          <a:p>
+            <a:fld id="{51E84241-D031-42DE-84E4-CC10C30232F4}" type="datetimeFigureOut">
+              <a:rPr lang="ru-RU" smtClean="0"/>
+              <a:pPr/>
+              <a:t>22.10.2013</a:t>
+            </a:fld>
+            <a:endParaRPr lang="ru-RU" dirty="0"/>
+          </a:p>
+        </p:txBody>
+      </p:sp>
+      <p:sp>
+        <p:nvSpPr>
+          <p:cNvPr id="9" name="Нижний колонтитул 5"/>
+          <p:cNvSpPr>
+            <a:spLocks noGrp="1"/>
+          </p:cNvSpPr>
+          <p:nvPr>
+            <p:ph type="ftr" sz="quarter" idx="11"/>
+          </p:nvPr>
+        </p:nvSpPr>
+        <p:spPr>
+          <a:xfrm>
+            <a:off x="3100536" y="4623978"/>
+            <a:ext cx="2895600" cy="273844"/>
+          </a:xfrm>
+          <a:prstGeom prst="rect">
+            <a:avLst/>
+          </a:prstGeom>
+        </p:spPr>
+        <p:txBody>
+          <a:bodyPr/>
+          <a:lstStyle>
+            <a:lvl1pPr>
+              <a:defRPr>
+                <a:solidFill>
+                  <a:srgbClr val="603636"/>
+                </a:solidFill>
+              </a:defRPr>
+            </a:lvl1pPr>
+          </a:lstStyle>
+          <a:p>
+            <a:endParaRPr lang="ru-RU"/>
+          </a:p>
+        </p:txBody>
+      </p:sp>
+      <p:sp>
+        <p:nvSpPr>
+          <p:cNvPr id="10" name="Номер слайда 6"/>
+          <p:cNvSpPr>
+            <a:spLocks noGrp="1"/>
+          </p:cNvSpPr>
+          <p:nvPr>
+            <p:ph type="sldNum" sz="quarter" idx="12"/>
+          </p:nvPr>
+        </p:nvSpPr>
+        <p:spPr>
+          <a:xfrm>
+            <a:off x="6529536" y="4623978"/>
+            <a:ext cx="2133600" cy="273844"/>
+          </a:xfrm>
+          <a:prstGeom prst="rect">
+            <a:avLst/>
+          </a:prstGeom>
+        </p:spPr>
+        <p:txBody>
+          <a:bodyPr/>
+          <a:lstStyle>
+            <a:lvl1pPr>
+              <a:defRPr>
+                <a:solidFill>
+                  <a:srgbClr val="603636"/>
+                </a:solidFill>
+              </a:defRPr>
+            </a:lvl1pPr>
+          </a:lstStyle>
+          <a:p>
+            <a:fld id="{6B5AA3AA-5EA9-4976-BF6C-9891F6110747}" type="slidenum">
+              <a:rPr lang="ru-RU" smtClean="0"/>
+              <a:pPr/>
               <a:t>‹#›</a:t>
             </a:fld>
             <a:endParaRPr lang="ru-RU"/>
@@ -1833,15 +2410,17 @@
       </p:sp>
       <p:sp>
         <p:nvSpPr>
-          <p:cNvPr id="8" name="Slide Number Placeholder 5"/>
-          <p:cNvSpPr txBox="1">
-            <a:spLocks/>
-          </p:cNvSpPr>
-          <p:nvPr userDrawn="1"/>
-        </p:nvSpPr>
-        <p:spPr>
-          <a:xfrm>
-            <a:off x="3419872" y="4677984"/>
+          <p:cNvPr id="8" name="Дата 4"/>
+          <p:cNvSpPr>
+            <a:spLocks noGrp="1"/>
+          </p:cNvSpPr>
+          <p:nvPr>
+            <p:ph type="dt" sz="half" idx="10"/>
+          </p:nvPr>
+        </p:nvSpPr>
+        <p:spPr>
+          <a:xfrm>
+            <a:off x="433536" y="4623978"/>
             <a:ext cx="2133600" cy="273844"/>
           </a:xfrm>
           <a:prstGeom prst="rect">
@@ -1851,104 +2430,91 @@
         <p:txBody>
           <a:bodyPr/>
           <a:lstStyle>
-            <a:defPPr>
-              <a:defRPr lang="ru-RU"/>
-            </a:defPPr>
-            <a:lvl1pPr marL="0" algn="ctr" defTabSz="914400" rtl="0" eaLnBrk="1" latinLnBrk="0" hangingPunct="1">
-              <a:defRPr sz="2000" kern="1200">
-                <a:solidFill>
-                  <a:schemeClr val="accent1">
-                    <a:lumMod val="75000"/>
-                  </a:schemeClr>
-                </a:solidFill>
-                <a:latin typeface="+mn-lt"/>
-                <a:ea typeface="+mn-ea"/>
-                <a:cs typeface="+mn-cs"/>
-              </a:defRPr>
-            </a:lvl1pPr>
-            <a:lvl2pPr marL="457200" algn="l" defTabSz="914400" rtl="0" eaLnBrk="1" latinLnBrk="0" hangingPunct="1">
-              <a:defRPr sz="1800" kern="1200">
-                <a:solidFill>
-                  <a:schemeClr val="tx1"/>
-                </a:solidFill>
-                <a:latin typeface="+mn-lt"/>
-                <a:ea typeface="+mn-ea"/>
-                <a:cs typeface="+mn-cs"/>
-              </a:defRPr>
-            </a:lvl2pPr>
-            <a:lvl3pPr marL="914400" algn="l" defTabSz="914400" rtl="0" eaLnBrk="1" latinLnBrk="0" hangingPunct="1">
-              <a:defRPr sz="1800" kern="1200">
-                <a:solidFill>
-                  <a:schemeClr val="tx1"/>
-                </a:solidFill>
-                <a:latin typeface="+mn-lt"/>
-                <a:ea typeface="+mn-ea"/>
-                <a:cs typeface="+mn-cs"/>
-              </a:defRPr>
-            </a:lvl3pPr>
-            <a:lvl4pPr marL="1371600" algn="l" defTabSz="914400" rtl="0" eaLnBrk="1" latinLnBrk="0" hangingPunct="1">
-              <a:defRPr sz="1800" kern="1200">
-                <a:solidFill>
-                  <a:schemeClr val="tx1"/>
-                </a:solidFill>
-                <a:latin typeface="+mn-lt"/>
-                <a:ea typeface="+mn-ea"/>
-                <a:cs typeface="+mn-cs"/>
-              </a:defRPr>
-            </a:lvl4pPr>
-            <a:lvl5pPr marL="1828800" algn="l" defTabSz="914400" rtl="0" eaLnBrk="1" latinLnBrk="0" hangingPunct="1">
-              <a:defRPr sz="1800" kern="1200">
-                <a:solidFill>
-                  <a:schemeClr val="tx1"/>
-                </a:solidFill>
-                <a:latin typeface="+mn-lt"/>
-                <a:ea typeface="+mn-ea"/>
-                <a:cs typeface="+mn-cs"/>
-              </a:defRPr>
-            </a:lvl5pPr>
-            <a:lvl6pPr marL="2286000" algn="l" defTabSz="914400" rtl="0" eaLnBrk="1" latinLnBrk="0" hangingPunct="1">
-              <a:defRPr sz="1800" kern="1200">
-                <a:solidFill>
-                  <a:schemeClr val="tx1"/>
-                </a:solidFill>
-                <a:latin typeface="+mn-lt"/>
-                <a:ea typeface="+mn-ea"/>
-                <a:cs typeface="+mn-cs"/>
-              </a:defRPr>
-            </a:lvl6pPr>
-            <a:lvl7pPr marL="2743200" algn="l" defTabSz="914400" rtl="0" eaLnBrk="1" latinLnBrk="0" hangingPunct="1">
-              <a:defRPr sz="1800" kern="1200">
-                <a:solidFill>
-                  <a:schemeClr val="tx1"/>
-                </a:solidFill>
-                <a:latin typeface="+mn-lt"/>
-                <a:ea typeface="+mn-ea"/>
-                <a:cs typeface="+mn-cs"/>
-              </a:defRPr>
-            </a:lvl7pPr>
-            <a:lvl8pPr marL="3200400" algn="l" defTabSz="914400" rtl="0" eaLnBrk="1" latinLnBrk="0" hangingPunct="1">
-              <a:defRPr sz="1800" kern="1200">
-                <a:solidFill>
-                  <a:schemeClr val="tx1"/>
-                </a:solidFill>
-                <a:latin typeface="+mn-lt"/>
-                <a:ea typeface="+mn-ea"/>
-                <a:cs typeface="+mn-cs"/>
-              </a:defRPr>
-            </a:lvl8pPr>
-            <a:lvl9pPr marL="3657600" algn="l" defTabSz="914400" rtl="0" eaLnBrk="1" latinLnBrk="0" hangingPunct="1">
-              <a:defRPr sz="1800" kern="1200">
-                <a:solidFill>
-                  <a:schemeClr val="tx1"/>
-                </a:solidFill>
-                <a:latin typeface="+mn-lt"/>
-                <a:ea typeface="+mn-ea"/>
-                <a:cs typeface="+mn-cs"/>
-              </a:defRPr>
-            </a:lvl9pPr>
-          </a:lstStyle>
-          <a:p>
-            <a:fld id="{FE1151AD-734B-4F06-895C-6598ABAFD91A}" type="slidenum">
+            <a:lvl1pPr>
+              <a:defRPr>
+                <a:solidFill>
+                  <a:srgbClr val="603636"/>
+                </a:solidFill>
+              </a:defRPr>
+            </a:lvl1pPr>
+          </a:lstStyle>
+          <a:p>
+            <a:fld id="{51E84241-D031-42DE-84E4-CC10C30232F4}" type="datetimeFigureOut">
+              <a:rPr lang="ru-RU" smtClean="0"/>
+              <a:pPr/>
+              <a:t>22.10.2013</a:t>
+            </a:fld>
+            <a:endParaRPr lang="ru-RU" dirty="0"/>
+          </a:p>
+        </p:txBody>
+      </p:sp>
+      <p:sp>
+        <p:nvSpPr>
+          <p:cNvPr id="9" name="Нижний колонтитул 5"/>
+          <p:cNvSpPr>
+            <a:spLocks noGrp="1"/>
+          </p:cNvSpPr>
+          <p:nvPr>
+            <p:ph type="ftr" sz="quarter" idx="11"/>
+          </p:nvPr>
+        </p:nvSpPr>
+        <p:spPr>
+          <a:xfrm>
+            <a:off x="3100536" y="4623978"/>
+            <a:ext cx="2895600" cy="273844"/>
+          </a:xfrm>
+          <a:prstGeom prst="rect">
+            <a:avLst/>
+          </a:prstGeom>
+        </p:spPr>
+        <p:txBody>
+          <a:bodyPr/>
+          <a:lstStyle>
+            <a:lvl1pPr>
+              <a:defRPr>
+                <a:solidFill>
+                  <a:srgbClr val="603636"/>
+                </a:solidFill>
+              </a:defRPr>
+            </a:lvl1pPr>
+          </a:lstStyle>
+          <a:p>
+            <a:endParaRPr lang="ru-RU"/>
+          </a:p>
+        </p:txBody>
+      </p:sp>
+      <p:sp>
+        <p:nvSpPr>
+          <p:cNvPr id="10" name="Номер слайда 6"/>
+          <p:cNvSpPr>
+            <a:spLocks noGrp="1"/>
+          </p:cNvSpPr>
+          <p:nvPr>
+            <p:ph type="sldNum" sz="quarter" idx="12"/>
+          </p:nvPr>
+        </p:nvSpPr>
+        <p:spPr>
+          <a:xfrm>
+            <a:off x="6529536" y="4623978"/>
+            <a:ext cx="2133600" cy="273844"/>
+          </a:xfrm>
+          <a:prstGeom prst="rect">
+            <a:avLst/>
+          </a:prstGeom>
+        </p:spPr>
+        <p:txBody>
+          <a:bodyPr/>
+          <a:lstStyle>
+            <a:lvl1pPr>
+              <a:defRPr>
+                <a:solidFill>
+                  <a:srgbClr val="603636"/>
+                </a:solidFill>
+              </a:defRPr>
+            </a:lvl1pPr>
+          </a:lstStyle>
+          <a:p>
+            <a:fld id="{6B5AA3AA-5EA9-4976-BF6C-9891F6110747}" type="slidenum">
               <a:rPr lang="ru-RU" smtClean="0"/>
               <a:pPr/>
               <a:t>‹#›</a:t>
@@ -2176,17 +2742,17 @@
       </p:sp>
       <p:sp>
         <p:nvSpPr>
-          <p:cNvPr id="12" name="Slide Number Placeholder 5"/>
-          <p:cNvSpPr>
-            <a:spLocks noGrp="1"/>
-          </p:cNvSpPr>
-          <p:nvPr>
-            <p:ph type="sldNum" sz="quarter" idx="12"/>
-          </p:nvPr>
-        </p:nvSpPr>
-        <p:spPr>
-          <a:xfrm>
-            <a:off x="3419872" y="4677984"/>
+          <p:cNvPr id="8" name="Дата 4"/>
+          <p:cNvSpPr>
+            <a:spLocks noGrp="1"/>
+          </p:cNvSpPr>
+          <p:nvPr>
+            <p:ph type="dt" sz="half" idx="10"/>
+          </p:nvPr>
+        </p:nvSpPr>
+        <p:spPr>
+          <a:xfrm>
+            <a:off x="433536" y="4623978"/>
             <a:ext cx="2133600" cy="273844"/>
           </a:xfrm>
           <a:prstGeom prst="rect">
@@ -2195,10 +2761,94 @@
         </p:spPr>
         <p:txBody>
           <a:bodyPr/>
-          <a:lstStyle/>
-          <a:p>
-            <a:fld id="{FE1151AD-734B-4F06-895C-6598ABAFD91A}" type="slidenum">
-              <a:rPr lang="ru-RU" smtClean="0"/>
+          <a:lstStyle>
+            <a:lvl1pPr>
+              <a:defRPr>
+                <a:solidFill>
+                  <a:srgbClr val="603636"/>
+                </a:solidFill>
+              </a:defRPr>
+            </a:lvl1pPr>
+          </a:lstStyle>
+          <a:p>
+            <a:fld id="{51E84241-D031-42DE-84E4-CC10C30232F4}" type="datetimeFigureOut">
+              <a:rPr lang="ru-RU" smtClean="0"/>
+              <a:pPr/>
+              <a:t>22.10.2013</a:t>
+            </a:fld>
+            <a:endParaRPr lang="ru-RU" dirty="0"/>
+          </a:p>
+        </p:txBody>
+      </p:sp>
+      <p:sp>
+        <p:nvSpPr>
+          <p:cNvPr id="9" name="Нижний колонтитул 5"/>
+          <p:cNvSpPr>
+            <a:spLocks noGrp="1"/>
+          </p:cNvSpPr>
+          <p:nvPr>
+            <p:ph type="ftr" sz="quarter" idx="11"/>
+          </p:nvPr>
+        </p:nvSpPr>
+        <p:spPr>
+          <a:xfrm>
+            <a:off x="3100536" y="4623978"/>
+            <a:ext cx="2895600" cy="273844"/>
+          </a:xfrm>
+          <a:prstGeom prst="rect">
+            <a:avLst/>
+          </a:prstGeom>
+        </p:spPr>
+        <p:txBody>
+          <a:bodyPr/>
+          <a:lstStyle>
+            <a:lvl1pPr>
+              <a:defRPr>
+                <a:solidFill>
+                  <a:srgbClr val="603636"/>
+                </a:solidFill>
+              </a:defRPr>
+            </a:lvl1pPr>
+          </a:lstStyle>
+          <a:p>
+            <a:endParaRPr lang="ru-RU"/>
+          </a:p>
+        </p:txBody>
+      </p:sp>
+      <p:sp>
+        <p:nvSpPr>
+          <p:cNvPr id="10" name="Номер слайда 6"/>
+          <p:cNvSpPr>
+            <a:spLocks noGrp="1"/>
+          </p:cNvSpPr>
+          <p:nvPr>
+            <p:ph type="sldNum" sz="quarter" idx="12"/>
+          </p:nvPr>
+        </p:nvSpPr>
+        <p:spPr>
+          <a:xfrm>
+            <a:off x="6529536" y="4623978"/>
+            <a:ext cx="2133600" cy="273844"/>
+          </a:xfrm>
+          <a:prstGeom prst="rect">
+            <a:avLst/>
+          </a:prstGeom>
+        </p:spPr>
+        <p:txBody>
+          <a:bodyPr/>
+          <a:lstStyle>
+            <a:lvl1pPr>
+              <a:defRPr>
+                <a:solidFill>
+                  <a:srgbClr val="603636"/>
+                </a:solidFill>
+              </a:defRPr>
+            </a:lvl1pPr>
+          </a:lstStyle>
+          <a:p>
+            <a:fld id="{6B5AA3AA-5EA9-4976-BF6C-9891F6110747}" type="slidenum">
+              <a:rPr lang="ru-RU" smtClean="0"/>
+              <a:pPr/>
               <a:t>‹#›</a:t>
             </a:fld>
             <a:endParaRPr lang="ru-RU"/>
@@ -2348,17 +2998,17 @@
       </p:sp>
       <p:sp>
         <p:nvSpPr>
-          <p:cNvPr id="10" name="Slide Number Placeholder 5"/>
-          <p:cNvSpPr>
-            <a:spLocks noGrp="1"/>
-          </p:cNvSpPr>
-          <p:nvPr>
-            <p:ph type="sldNum" sz="quarter" idx="4"/>
-          </p:nvPr>
-        </p:nvSpPr>
-        <p:spPr>
-          <a:xfrm>
-            <a:off x="3563888" y="4623978"/>
+          <p:cNvPr id="8" name="Дата 4"/>
+          <p:cNvSpPr>
+            <a:spLocks noGrp="1"/>
+          </p:cNvSpPr>
+          <p:nvPr>
+            <p:ph type="dt" sz="half" idx="10"/>
+          </p:nvPr>
+        </p:nvSpPr>
+        <p:spPr>
+          <a:xfrm>
+            <a:off x="433536" y="4623978"/>
             <a:ext cx="2133600" cy="273844"/>
           </a:xfrm>
           <a:prstGeom prst="rect">
@@ -2368,23 +3018,96 @@
         <p:txBody>
           <a:bodyPr/>
           <a:lstStyle>
-            <a:lvl1pPr algn="ctr">
-              <a:defRPr sz="2000">
-                <a:solidFill>
-                  <a:schemeClr val="accent1">
-                    <a:lumMod val="75000"/>
-                  </a:schemeClr>
-                </a:solidFill>
-              </a:defRPr>
-            </a:lvl1pPr>
-          </a:lstStyle>
-          <a:p>
-            <a:fld id="{FE1151AD-734B-4F06-895C-6598ABAFD91A}" type="slidenum">
+            <a:lvl1pPr>
+              <a:defRPr>
+                <a:solidFill>
+                  <a:srgbClr val="603636"/>
+                </a:solidFill>
+              </a:defRPr>
+            </a:lvl1pPr>
+          </a:lstStyle>
+          <a:p>
+            <a:fld id="{51E84241-D031-42DE-84E4-CC10C30232F4}" type="datetimeFigureOut">
+              <a:rPr lang="ru-RU" smtClean="0"/>
+              <a:pPr/>
+              <a:t>22.10.2013</a:t>
+            </a:fld>
+            <a:endParaRPr lang="ru-RU" dirty="0"/>
+          </a:p>
+        </p:txBody>
+      </p:sp>
+      <p:sp>
+        <p:nvSpPr>
+          <p:cNvPr id="9" name="Нижний колонтитул 5"/>
+          <p:cNvSpPr>
+            <a:spLocks noGrp="1"/>
+          </p:cNvSpPr>
+          <p:nvPr>
+            <p:ph type="ftr" sz="quarter" idx="11"/>
+          </p:nvPr>
+        </p:nvSpPr>
+        <p:spPr>
+          <a:xfrm>
+            <a:off x="3100536" y="4623978"/>
+            <a:ext cx="2895600" cy="273844"/>
+          </a:xfrm>
+          <a:prstGeom prst="rect">
+            <a:avLst/>
+          </a:prstGeom>
+        </p:spPr>
+        <p:txBody>
+          <a:bodyPr/>
+          <a:lstStyle>
+            <a:lvl1pPr>
+              <a:defRPr>
+                <a:solidFill>
+                  <a:srgbClr val="603636"/>
+                </a:solidFill>
+              </a:defRPr>
+            </a:lvl1pPr>
+          </a:lstStyle>
+          <a:p>
+            <a:endParaRPr lang="ru-RU"/>
+          </a:p>
+        </p:txBody>
+      </p:sp>
+      <p:sp>
+        <p:nvSpPr>
+          <p:cNvPr id="10" name="Номер слайда 6"/>
+          <p:cNvSpPr>
+            <a:spLocks noGrp="1"/>
+          </p:cNvSpPr>
+          <p:nvPr>
+            <p:ph type="sldNum" sz="quarter" idx="12"/>
+          </p:nvPr>
+        </p:nvSpPr>
+        <p:spPr>
+          <a:xfrm>
+            <a:off x="6529536" y="4623978"/>
+            <a:ext cx="2133600" cy="273844"/>
+          </a:xfrm>
+          <a:prstGeom prst="rect">
+            <a:avLst/>
+          </a:prstGeom>
+        </p:spPr>
+        <p:txBody>
+          <a:bodyPr/>
+          <a:lstStyle>
+            <a:lvl1pPr>
+              <a:defRPr>
+                <a:solidFill>
+                  <a:srgbClr val="603636"/>
+                </a:solidFill>
+              </a:defRPr>
+            </a:lvl1pPr>
+          </a:lstStyle>
+          <a:p>
+            <a:fld id="{6B5AA3AA-5EA9-4976-BF6C-9891F6110747}" type="slidenum">
               <a:rPr lang="ru-RU" smtClean="0"/>
               <a:pPr/>
               <a:t>‹#›</a:t>
             </a:fld>
-            <a:endParaRPr lang="ru-RU" dirty="0"/>
+            <a:endParaRPr lang="ru-RU"/>
           </a:p>
         </p:txBody>
       </p:sp>
